--- a/kurs/ai-for-nybegynnere/modul1-intro/modul1.pptx
+++ b/kurs/ai-for-nybegynnere/modul1-intro/modul1.pptx
@@ -3475,7 +3475,7 @@
           <a:p>
             <a:fld id="{5BCAD085-E8A6-8845-BD4E-CB4CCA059FC4}" type="datetimeFigureOut">
               <a:rPr lang="en-US" smtClean="0"/>
-              <a:t>6/21/2025</a:t>
+              <a:t>6/27/2025</a:t>
             </a:fld>
             <a:endParaRPr lang="en-US"/>
           </a:p>
@@ -3762,7 +3762,7 @@
           <a:p>
             <a:fld id="{5BCAD085-E8A6-8845-BD4E-CB4CCA059FC4}" type="datetimeFigureOut">
               <a:rPr lang="en-US" smtClean="0"/>
-              <a:t>6/21/2025</a:t>
+              <a:t>6/27/2025</a:t>
             </a:fld>
             <a:endParaRPr lang="en-US"/>
           </a:p>
@@ -3954,7 +3954,7 @@
           <a:p>
             <a:fld id="{5BCAD085-E8A6-8845-BD4E-CB4CCA059FC4}" type="datetimeFigureOut">
               <a:rPr lang="en-US" smtClean="0"/>
-              <a:t>6/21/2025</a:t>
+              <a:t>6/27/2025</a:t>
             </a:fld>
             <a:endParaRPr lang="en-US"/>
           </a:p>
@@ -4215,7 +4215,7 @@
           <a:p>
             <a:fld id="{5BCAD085-E8A6-8845-BD4E-CB4CCA059FC4}" type="datetimeFigureOut">
               <a:rPr lang="en-US" smtClean="0"/>
-              <a:t>6/21/2025</a:t>
+              <a:t>6/27/2025</a:t>
             </a:fld>
             <a:endParaRPr lang="en-US"/>
           </a:p>
@@ -4639,7 +4639,7 @@
           <a:p>
             <a:fld id="{5BCAD085-E8A6-8845-BD4E-CB4CCA059FC4}" type="datetimeFigureOut">
               <a:rPr lang="en-US" smtClean="0"/>
-              <a:t>6/21/2025</a:t>
+              <a:t>6/27/2025</a:t>
             </a:fld>
             <a:endParaRPr lang="en-US"/>
           </a:p>
@@ -5185,7 +5185,7 @@
           <a:p>
             <a:fld id="{5BCAD085-E8A6-8845-BD4E-CB4CCA059FC4}" type="datetimeFigureOut">
               <a:rPr lang="en-US" smtClean="0"/>
-              <a:t>6/21/2025</a:t>
+              <a:t>6/27/2025</a:t>
             </a:fld>
             <a:endParaRPr lang="en-US"/>
           </a:p>
@@ -6025,7 +6025,7 @@
           <a:p>
             <a:fld id="{5BCAD085-E8A6-8845-BD4E-CB4CCA059FC4}" type="datetimeFigureOut">
               <a:rPr lang="en-US" smtClean="0"/>
-              <a:t>6/21/2025</a:t>
+              <a:t>6/27/2025</a:t>
             </a:fld>
             <a:endParaRPr lang="en-US"/>
           </a:p>
@@ -6195,7 +6195,7 @@
           <a:p>
             <a:fld id="{5BCAD085-E8A6-8845-BD4E-CB4CCA059FC4}" type="datetimeFigureOut">
               <a:rPr lang="en-US" smtClean="0"/>
-              <a:t>6/21/2025</a:t>
+              <a:t>6/27/2025</a:t>
             </a:fld>
             <a:endParaRPr lang="en-US"/>
           </a:p>
@@ -6379,7 +6379,7 @@
           <a:p>
             <a:fld id="{5BCAD085-E8A6-8845-BD4E-CB4CCA059FC4}" type="datetimeFigureOut">
               <a:rPr lang="en-US" smtClean="0"/>
-              <a:t>6/21/2025</a:t>
+              <a:t>6/27/2025</a:t>
             </a:fld>
             <a:endParaRPr lang="en-US"/>
           </a:p>
@@ -6549,7 +6549,7 @@
           <a:p>
             <a:fld id="{5BCAD085-E8A6-8845-BD4E-CB4CCA059FC4}" type="datetimeFigureOut">
               <a:rPr lang="en-US" smtClean="0"/>
-              <a:t>6/21/2025</a:t>
+              <a:t>6/27/2025</a:t>
             </a:fld>
             <a:endParaRPr lang="en-US"/>
           </a:p>
@@ -6797,7 +6797,7 @@
           <a:p>
             <a:fld id="{5BCAD085-E8A6-8845-BD4E-CB4CCA059FC4}" type="datetimeFigureOut">
               <a:rPr lang="en-US" smtClean="0"/>
-              <a:t>6/21/2025</a:t>
+              <a:t>6/27/2025</a:t>
             </a:fld>
             <a:endParaRPr lang="en-US"/>
           </a:p>
@@ -7034,7 +7034,7 @@
           <a:p>
             <a:fld id="{5BCAD085-E8A6-8845-BD4E-CB4CCA059FC4}" type="datetimeFigureOut">
               <a:rPr lang="en-US" smtClean="0"/>
-              <a:t>6/21/2025</a:t>
+              <a:t>6/27/2025</a:t>
             </a:fld>
             <a:endParaRPr lang="en-US"/>
           </a:p>
@@ -7407,7 +7407,7 @@
           <a:p>
             <a:fld id="{5BCAD085-E8A6-8845-BD4E-CB4CCA059FC4}" type="datetimeFigureOut">
               <a:rPr lang="en-US" smtClean="0"/>
-              <a:t>6/21/2025</a:t>
+              <a:t>6/27/2025</a:t>
             </a:fld>
             <a:endParaRPr lang="en-US"/>
           </a:p>
@@ -7525,7 +7525,7 @@
           <a:p>
             <a:fld id="{5BCAD085-E8A6-8845-BD4E-CB4CCA059FC4}" type="datetimeFigureOut">
               <a:rPr lang="en-US" smtClean="0"/>
-              <a:t>6/21/2025</a:t>
+              <a:t>6/27/2025</a:t>
             </a:fld>
             <a:endParaRPr lang="en-US"/>
           </a:p>
@@ -7620,7 +7620,7 @@
           <a:p>
             <a:fld id="{5BCAD085-E8A6-8845-BD4E-CB4CCA059FC4}" type="datetimeFigureOut">
               <a:rPr lang="en-US" smtClean="0"/>
-              <a:t>6/21/2025</a:t>
+              <a:t>6/27/2025</a:t>
             </a:fld>
             <a:endParaRPr lang="en-US"/>
           </a:p>
@@ -7871,7 +7871,7 @@
           <a:p>
             <a:fld id="{5BCAD085-E8A6-8845-BD4E-CB4CCA059FC4}" type="datetimeFigureOut">
               <a:rPr lang="en-US" smtClean="0"/>
-              <a:t>6/21/2025</a:t>
+              <a:t>6/27/2025</a:t>
             </a:fld>
             <a:endParaRPr lang="en-US"/>
           </a:p>
@@ -8158,7 +8158,7 @@
           <a:p>
             <a:fld id="{5BCAD085-E8A6-8845-BD4E-CB4CCA059FC4}" type="datetimeFigureOut">
               <a:rPr lang="en-US" smtClean="0"/>
-              <a:t>6/21/2025</a:t>
+              <a:t>6/27/2025</a:t>
             </a:fld>
             <a:endParaRPr lang="en-US"/>
           </a:p>
@@ -8371,7 +8371,7 @@
           <a:p>
             <a:fld id="{5BCAD085-E8A6-8845-BD4E-CB4CCA059FC4}" type="datetimeFigureOut">
               <a:rPr lang="en-US" smtClean="0"/>
-              <a:t>6/21/2025</a:t>
+              <a:t>6/27/2025</a:t>
             </a:fld>
             <a:endParaRPr lang="en-US"/>
           </a:p>
